--- a/Project Protection/EMC.pptx
+++ b/Project Protection/EMC.pptx
@@ -1,15 +1,15 @@
 
 <file path=ppt/presentation.xml><?xml version="1.0" encoding="utf-8"?>
-<p:presentation xmlns:a="http://schemas.openxmlformats.org/drawingml/2006/main" xmlns:r="http://schemas.openxmlformats.org/officeDocument/2006/relationships" xmlns:p="http://schemas.openxmlformats.org/presentationml/2006/main" xmlns:m="http://schemas.openxmlformats.org/officeDocument/2006/math" xmlns:w="http://schemas.openxmlformats.org/wordprocessingml/2006/main" saveSubsetFonts="1">
+<p:presentation xmlns:a="http://schemas.openxmlformats.org/drawingml/2006/main" xmlns:r="http://schemas.openxmlformats.org/officeDocument/2006/relationships" xmlns:p="http://schemas.openxmlformats.org/presentationml/2006/main" saveSubsetFonts="1">
   <p:sldMasterIdLst>
     <p:sldMasterId id="2147483648" r:id="rId1"/>
   </p:sldMasterIdLst>
   <p:sldIdLst>
-    <p:sldId id="256" r:id="rId3"/>
-    <p:sldId id="257" r:id="rId4"/>
-    <p:sldId id="258" r:id="rId5"/>
-    <p:sldId id="259" r:id="rId6"/>
-    <p:sldId id="260" r:id="rId7"/>
+    <p:sldId id="256" r:id="rId2"/>
+    <p:sldId id="257" r:id="rId3"/>
+    <p:sldId id="258" r:id="rId4"/>
+    <p:sldId id="259" r:id="rId5"/>
+    <p:sldId id="260" r:id="rId6"/>
   </p:sldIdLst>
   <p:sldSz cx="12192000" cy="6858000"/>
   <p:notesSz cx="12192000" cy="6858000"/>
@@ -108,11 +108,27 @@
       </a:defRPr>
     </a:lvl9pPr>
   </p:defaultTextStyle>
+  <p:extLst>
+    <p:ext uri="{EFAFB233-063F-42B5-8137-9DF3F51BA10A}">
+      <p15:sldGuideLst xmlns:p15="http://schemas.microsoft.com/office/powerpoint/2012/main">
+        <p15:guide id="1" orient="horz" pos="2160">
+          <p15:clr>
+            <a:srgbClr val="A4A3A4"/>
+          </p15:clr>
+        </p15:guide>
+        <p15:guide id="2" pos="2880">
+          <p15:clr>
+            <a:srgbClr val="A4A3A4"/>
+          </p15:clr>
+        </p15:guide>
+      </p15:sldGuideLst>
+    </p:ext>
+  </p:extLst>
 </p:presentation>
 </file>
 
 <file path=ppt/slideLayouts/slideLayout1.xml><?xml version="1.0" encoding="utf-8"?>
-<p:sldLayout xmlns:a="http://schemas.openxmlformats.org/drawingml/2006/main" xmlns:r="http://schemas.openxmlformats.org/officeDocument/2006/relationships" xmlns:p="http://schemas.openxmlformats.org/presentationml/2006/main" xmlns:m="http://schemas.openxmlformats.org/officeDocument/2006/math" xmlns:w="http://schemas.openxmlformats.org/wordprocessingml/2006/main" matchingName="" preserve="1" showMasterPhAnim="0" type="title" userDrawn="1">
+<p:sldLayout xmlns:a="http://schemas.openxmlformats.org/drawingml/2006/main" xmlns:r="http://schemas.openxmlformats.org/officeDocument/2006/relationships" xmlns:p="http://schemas.openxmlformats.org/presentationml/2006/main" showMasterPhAnim="0" type="title" preserve="1" userDrawn="1">
   <p:cSld name="Титульный слайд">
     <p:spTree>
       <p:nvGrpSpPr>
@@ -159,7 +175,6 @@
               <a:rPr lang="ru-RU"/>
               <a:t>Образец заголовка</a:t>
             </a:r>
-            <a:endParaRPr lang="ru-RU"/>
           </a:p>
         </p:txBody>
       </p:sp>
@@ -227,7 +242,6 @@
               <a:rPr lang="ru-RU"/>
               <a:t>Образец подзаголовка</a:t>
             </a:r>
-            <a:endParaRPr lang="ru-RU"/>
           </a:p>
         </p:txBody>
       </p:sp>
@@ -251,7 +265,7 @@
             </a:pPr>
             <a:fld id="{BCC18F51-09EC-435C-A3BA-64A766E099C0}" type="datetimeFigureOut">
               <a:rPr lang="ru-RU"/>
-              <a:t/>
+              <a:t>17.04.2023</a:t>
             </a:fld>
             <a:endParaRPr lang="ru-RU"/>
           </a:p>
@@ -299,7 +313,7 @@
             </a:pPr>
             <a:fld id="{08395586-F03A-48D1-94DF-16B239DF4FB5}" type="slidenum">
               <a:rPr lang="ru-RU"/>
-              <a:t/>
+              <a:t>‹#›</a:t>
             </a:fld>
             <a:endParaRPr lang="ru-RU"/>
           </a:p>
@@ -314,7 +328,7 @@
 </file>
 
 <file path=ppt/slideLayouts/slideLayout10.xml><?xml version="1.0" encoding="utf-8"?>
-<p:sldLayout xmlns:a="http://schemas.openxmlformats.org/drawingml/2006/main" xmlns:r="http://schemas.openxmlformats.org/officeDocument/2006/relationships" xmlns:p="http://schemas.openxmlformats.org/presentationml/2006/main" xmlns:m="http://schemas.openxmlformats.org/officeDocument/2006/math" xmlns:w="http://schemas.openxmlformats.org/wordprocessingml/2006/main" matchingName="" preserve="1" showMasterPhAnim="0" type="vertTx" userDrawn="1">
+<p:sldLayout xmlns:a="http://schemas.openxmlformats.org/drawingml/2006/main" xmlns:r="http://schemas.openxmlformats.org/officeDocument/2006/relationships" xmlns:p="http://schemas.openxmlformats.org/presentationml/2006/main" showMasterPhAnim="0" type="vertTx" preserve="1" userDrawn="1">
   <p:cSld name="Заголовок и вертикальный текст">
     <p:spTree>
       <p:nvGrpSpPr>
@@ -352,7 +366,6 @@
               <a:rPr lang="ru-RU"/>
               <a:t>Образец заголовка</a:t>
             </a:r>
-            <a:endParaRPr lang="ru-RU"/>
           </a:p>
         </p:txBody>
       </p:sp>
@@ -418,7 +431,6 @@
               <a:rPr lang="ru-RU"/>
               <a:t>Пятый уровень</a:t>
             </a:r>
-            <a:endParaRPr lang="ru-RU"/>
           </a:p>
         </p:txBody>
       </p:sp>
@@ -442,7 +454,7 @@
             </a:pPr>
             <a:fld id="{BCC18F51-09EC-435C-A3BA-64A766E099C0}" type="datetimeFigureOut">
               <a:rPr lang="ru-RU"/>
-              <a:t/>
+              <a:t>17.04.2023</a:t>
             </a:fld>
             <a:endParaRPr lang="ru-RU"/>
           </a:p>
@@ -490,7 +502,7 @@
             </a:pPr>
             <a:fld id="{08395586-F03A-48D1-94DF-16B239DF4FB5}" type="slidenum">
               <a:rPr lang="ru-RU"/>
-              <a:t/>
+              <a:t>‹#›</a:t>
             </a:fld>
             <a:endParaRPr lang="ru-RU"/>
           </a:p>
@@ -505,7 +517,7 @@
 </file>
 
 <file path=ppt/slideLayouts/slideLayout11.xml><?xml version="1.0" encoding="utf-8"?>
-<p:sldLayout xmlns:a="http://schemas.openxmlformats.org/drawingml/2006/main" xmlns:r="http://schemas.openxmlformats.org/officeDocument/2006/relationships" xmlns:p="http://schemas.openxmlformats.org/presentationml/2006/main" xmlns:m="http://schemas.openxmlformats.org/officeDocument/2006/math" xmlns:w="http://schemas.openxmlformats.org/wordprocessingml/2006/main" matchingName="" preserve="1" showMasterPhAnim="0" type="vertTitleAndTx" userDrawn="1">
+<p:sldLayout xmlns:a="http://schemas.openxmlformats.org/drawingml/2006/main" xmlns:r="http://schemas.openxmlformats.org/officeDocument/2006/relationships" xmlns:p="http://schemas.openxmlformats.org/presentationml/2006/main" showMasterPhAnim="0" type="vertTitleAndTx" preserve="1" userDrawn="1">
   <p:cSld name="Вертикальный заголовок и текст">
     <p:spTree>
       <p:nvGrpSpPr>
@@ -548,7 +560,6 @@
               <a:rPr lang="ru-RU"/>
               <a:t>Образец заголовка</a:t>
             </a:r>
-            <a:endParaRPr lang="ru-RU"/>
           </a:p>
         </p:txBody>
       </p:sp>
@@ -619,7 +630,6 @@
               <a:rPr lang="ru-RU"/>
               <a:t>Fifth level</a:t>
             </a:r>
-            <a:endParaRPr lang="ru-RU"/>
           </a:p>
         </p:txBody>
       </p:sp>
@@ -643,7 +653,7 @@
             </a:pPr>
             <a:fld id="{BCC18F51-09EC-435C-A3BA-64A766E099C0}" type="datetimeFigureOut">
               <a:rPr lang="ru-RU"/>
-              <a:t/>
+              <a:t>17.04.2023</a:t>
             </a:fld>
             <a:endParaRPr lang="ru-RU"/>
           </a:p>
@@ -691,7 +701,7 @@
             </a:pPr>
             <a:fld id="{08395586-F03A-48D1-94DF-16B239DF4FB5}" type="slidenum">
               <a:rPr lang="ru-RU"/>
-              <a:t/>
+              <a:t>‹#›</a:t>
             </a:fld>
             <a:endParaRPr lang="ru-RU"/>
           </a:p>
@@ -706,7 +716,7 @@
 </file>
 
 <file path=ppt/slideLayouts/slideLayout2.xml><?xml version="1.0" encoding="utf-8"?>
-<p:sldLayout xmlns:a="http://schemas.openxmlformats.org/drawingml/2006/main" xmlns:r="http://schemas.openxmlformats.org/officeDocument/2006/relationships" xmlns:p="http://schemas.openxmlformats.org/presentationml/2006/main" xmlns:m="http://schemas.openxmlformats.org/officeDocument/2006/math" xmlns:w="http://schemas.openxmlformats.org/wordprocessingml/2006/main" matchingName="" preserve="1" showMasterPhAnim="0" type="obj" userDrawn="1">
+<p:sldLayout xmlns:a="http://schemas.openxmlformats.org/drawingml/2006/main" xmlns:r="http://schemas.openxmlformats.org/officeDocument/2006/relationships" xmlns:p="http://schemas.openxmlformats.org/presentationml/2006/main" showMasterPhAnim="0" type="obj" preserve="1" userDrawn="1">
   <p:cSld name="Заголовок и объект">
     <p:spTree>
       <p:nvGrpSpPr>
@@ -744,7 +754,6 @@
               <a:rPr lang="ru-RU"/>
               <a:t>Образец заголовка</a:t>
             </a:r>
-            <a:endParaRPr lang="ru-RU"/>
           </a:p>
         </p:txBody>
       </p:sp>
@@ -810,7 +819,6 @@
               <a:rPr lang="ru-RU"/>
               <a:t>Fifth level</a:t>
             </a:r>
-            <a:endParaRPr lang="ru-RU"/>
           </a:p>
         </p:txBody>
       </p:sp>
@@ -834,7 +842,7 @@
             </a:pPr>
             <a:fld id="{BCC18F51-09EC-435C-A3BA-64A766E099C0}" type="datetimeFigureOut">
               <a:rPr lang="ru-RU"/>
-              <a:t/>
+              <a:t>17.04.2023</a:t>
             </a:fld>
             <a:endParaRPr lang="ru-RU"/>
           </a:p>
@@ -882,7 +890,7 @@
             </a:pPr>
             <a:fld id="{08395586-F03A-48D1-94DF-16B239DF4FB5}" type="slidenum">
               <a:rPr lang="ru-RU"/>
-              <a:t/>
+              <a:t>‹#›</a:t>
             </a:fld>
             <a:endParaRPr lang="ru-RU"/>
           </a:p>
@@ -897,7 +905,7 @@
 </file>
 
 <file path=ppt/slideLayouts/slideLayout3.xml><?xml version="1.0" encoding="utf-8"?>
-<p:sldLayout xmlns:a="http://schemas.openxmlformats.org/drawingml/2006/main" xmlns:r="http://schemas.openxmlformats.org/officeDocument/2006/relationships" xmlns:p="http://schemas.openxmlformats.org/presentationml/2006/main" xmlns:m="http://schemas.openxmlformats.org/officeDocument/2006/math" xmlns:w="http://schemas.openxmlformats.org/wordprocessingml/2006/main" matchingName="" preserve="1" showMasterPhAnim="0" type="secHead" userDrawn="1">
+<p:sldLayout xmlns:a="http://schemas.openxmlformats.org/drawingml/2006/main" xmlns:r="http://schemas.openxmlformats.org/officeDocument/2006/relationships" xmlns:p="http://schemas.openxmlformats.org/presentationml/2006/main" showMasterPhAnim="0" type="secHead" preserve="1" userDrawn="1">
   <p:cSld name="Заголовок раздела">
     <p:spTree>
       <p:nvGrpSpPr>
@@ -944,7 +952,6 @@
               <a:rPr lang="ru-RU"/>
               <a:t>Образец заголовка</a:t>
             </a:r>
-            <a:endParaRPr lang="ru-RU"/>
           </a:p>
         </p:txBody>
       </p:sp>
@@ -1090,7 +1097,7 @@
             </a:pPr>
             <a:fld id="{BCC18F51-09EC-435C-A3BA-64A766E099C0}" type="datetimeFigureOut">
               <a:rPr lang="ru-RU"/>
-              <a:t/>
+              <a:t>17.04.2023</a:t>
             </a:fld>
             <a:endParaRPr lang="ru-RU"/>
           </a:p>
@@ -1138,7 +1145,7 @@
             </a:pPr>
             <a:fld id="{08395586-F03A-48D1-94DF-16B239DF4FB5}" type="slidenum">
               <a:rPr lang="ru-RU"/>
-              <a:t/>
+              <a:t>‹#›</a:t>
             </a:fld>
             <a:endParaRPr lang="ru-RU"/>
           </a:p>
@@ -1153,7 +1160,7 @@
 </file>
 
 <file path=ppt/slideLayouts/slideLayout4.xml><?xml version="1.0" encoding="utf-8"?>
-<p:sldLayout xmlns:a="http://schemas.openxmlformats.org/drawingml/2006/main" xmlns:r="http://schemas.openxmlformats.org/officeDocument/2006/relationships" xmlns:p="http://schemas.openxmlformats.org/presentationml/2006/main" xmlns:m="http://schemas.openxmlformats.org/officeDocument/2006/math" xmlns:w="http://schemas.openxmlformats.org/wordprocessingml/2006/main" matchingName="" preserve="1" showMasterPhAnim="0" type="twoObj" userDrawn="1">
+<p:sldLayout xmlns:a="http://schemas.openxmlformats.org/drawingml/2006/main" xmlns:r="http://schemas.openxmlformats.org/officeDocument/2006/relationships" xmlns:p="http://schemas.openxmlformats.org/presentationml/2006/main" showMasterPhAnim="0" type="twoObj" preserve="1" userDrawn="1">
   <p:cSld name="Два объекта">
     <p:spTree>
       <p:nvGrpSpPr>
@@ -1191,7 +1198,6 @@
               <a:rPr lang="ru-RU"/>
               <a:t>Образец заголовка</a:t>
             </a:r>
-            <a:endParaRPr lang="ru-RU"/>
           </a:p>
         </p:txBody>
       </p:sp>
@@ -1262,7 +1268,6 @@
               <a:rPr lang="ru-RU"/>
               <a:t>Пятый уровень</a:t>
             </a:r>
-            <a:endParaRPr lang="ru-RU"/>
           </a:p>
         </p:txBody>
       </p:sp>
@@ -1333,7 +1338,6 @@
               <a:rPr lang="ru-RU"/>
               <a:t>Пятый уровень</a:t>
             </a:r>
-            <a:endParaRPr lang="ru-RU"/>
           </a:p>
         </p:txBody>
       </p:sp>
@@ -1357,7 +1361,7 @@
             </a:pPr>
             <a:fld id="{BCC18F51-09EC-435C-A3BA-64A766E099C0}" type="datetimeFigureOut">
               <a:rPr lang="ru-RU"/>
-              <a:t/>
+              <a:t>17.04.2023</a:t>
             </a:fld>
             <a:endParaRPr lang="ru-RU"/>
           </a:p>
@@ -1405,7 +1409,7 @@
             </a:pPr>
             <a:fld id="{08395586-F03A-48D1-94DF-16B239DF4FB5}" type="slidenum">
               <a:rPr lang="ru-RU"/>
-              <a:t/>
+              <a:t>‹#›</a:t>
             </a:fld>
             <a:endParaRPr lang="ru-RU"/>
           </a:p>
@@ -1420,7 +1424,7 @@
 </file>
 
 <file path=ppt/slideLayouts/slideLayout5.xml><?xml version="1.0" encoding="utf-8"?>
-<p:sldLayout xmlns:a="http://schemas.openxmlformats.org/drawingml/2006/main" xmlns:r="http://schemas.openxmlformats.org/officeDocument/2006/relationships" xmlns:p="http://schemas.openxmlformats.org/presentationml/2006/main" xmlns:m="http://schemas.openxmlformats.org/officeDocument/2006/math" xmlns:w="http://schemas.openxmlformats.org/wordprocessingml/2006/main" matchingName="" preserve="1" showMasterPhAnim="0" type="twoTxTwoObj" userDrawn="1">
+<p:sldLayout xmlns:a="http://schemas.openxmlformats.org/drawingml/2006/main" xmlns:r="http://schemas.openxmlformats.org/officeDocument/2006/relationships" xmlns:p="http://schemas.openxmlformats.org/presentationml/2006/main" showMasterPhAnim="0" type="twoTxTwoObj" preserve="1" userDrawn="1">
   <p:cSld name="Сравнение">
     <p:spTree>
       <p:nvGrpSpPr>
@@ -1463,7 +1467,6 @@
               <a:rPr lang="ru-RU"/>
               <a:t>Образец заголовка</a:t>
             </a:r>
-            <a:endParaRPr lang="ru-RU"/>
           </a:p>
         </p:txBody>
       </p:sp>
@@ -1602,7 +1605,6 @@
               <a:rPr lang="ru-RU"/>
               <a:t>Пятый уровень</a:t>
             </a:r>
-            <a:endParaRPr lang="ru-RU"/>
           </a:p>
         </p:txBody>
       </p:sp>
@@ -1741,7 +1743,6 @@
               <a:rPr lang="ru-RU"/>
               <a:t>Пятый уровень</a:t>
             </a:r>
-            <a:endParaRPr lang="ru-RU"/>
           </a:p>
         </p:txBody>
       </p:sp>
@@ -1765,7 +1766,7 @@
             </a:pPr>
             <a:fld id="{BCC18F51-09EC-435C-A3BA-64A766E099C0}" type="datetimeFigureOut">
               <a:rPr lang="ru-RU"/>
-              <a:t/>
+              <a:t>17.04.2023</a:t>
             </a:fld>
             <a:endParaRPr lang="ru-RU"/>
           </a:p>
@@ -1813,7 +1814,7 @@
             </a:pPr>
             <a:fld id="{08395586-F03A-48D1-94DF-16B239DF4FB5}" type="slidenum">
               <a:rPr lang="ru-RU"/>
-              <a:t/>
+              <a:t>‹#›</a:t>
             </a:fld>
             <a:endParaRPr lang="ru-RU"/>
           </a:p>
@@ -1828,7 +1829,7 @@
 </file>
 
 <file path=ppt/slideLayouts/slideLayout6.xml><?xml version="1.0" encoding="utf-8"?>
-<p:sldLayout xmlns:a="http://schemas.openxmlformats.org/drawingml/2006/main" xmlns:r="http://schemas.openxmlformats.org/officeDocument/2006/relationships" xmlns:p="http://schemas.openxmlformats.org/presentationml/2006/main" xmlns:m="http://schemas.openxmlformats.org/officeDocument/2006/math" xmlns:w="http://schemas.openxmlformats.org/wordprocessingml/2006/main" matchingName="" preserve="1" showMasterPhAnim="0" type="titleOnly" userDrawn="1">
+<p:sldLayout xmlns:a="http://schemas.openxmlformats.org/drawingml/2006/main" xmlns:r="http://schemas.openxmlformats.org/officeDocument/2006/relationships" xmlns:p="http://schemas.openxmlformats.org/presentationml/2006/main" showMasterPhAnim="0" type="titleOnly" preserve="1" userDrawn="1">
   <p:cSld name="Только заголовок">
     <p:spTree>
       <p:nvGrpSpPr>
@@ -1866,7 +1867,6 @@
               <a:rPr lang="ru-RU"/>
               <a:t>Образец заголовка</a:t>
             </a:r>
-            <a:endParaRPr lang="ru-RU"/>
           </a:p>
         </p:txBody>
       </p:sp>
@@ -1890,7 +1890,7 @@
             </a:pPr>
             <a:fld id="{BCC18F51-09EC-435C-A3BA-64A766E099C0}" type="datetimeFigureOut">
               <a:rPr lang="ru-RU"/>
-              <a:t/>
+              <a:t>17.04.2023</a:t>
             </a:fld>
             <a:endParaRPr lang="ru-RU"/>
           </a:p>
@@ -1938,7 +1938,7 @@
             </a:pPr>
             <a:fld id="{08395586-F03A-48D1-94DF-16B239DF4FB5}" type="slidenum">
               <a:rPr lang="ru-RU"/>
-              <a:t/>
+              <a:t>‹#›</a:t>
             </a:fld>
             <a:endParaRPr lang="ru-RU"/>
           </a:p>
@@ -1953,7 +1953,7 @@
 </file>
 
 <file path=ppt/slideLayouts/slideLayout7.xml><?xml version="1.0" encoding="utf-8"?>
-<p:sldLayout xmlns:a="http://schemas.openxmlformats.org/drawingml/2006/main" xmlns:r="http://schemas.openxmlformats.org/officeDocument/2006/relationships" xmlns:p="http://schemas.openxmlformats.org/presentationml/2006/main" xmlns:m="http://schemas.openxmlformats.org/officeDocument/2006/math" xmlns:w="http://schemas.openxmlformats.org/wordprocessingml/2006/main" matchingName="" preserve="1" showMasterPhAnim="0" type="blank" userDrawn="1">
+<p:sldLayout xmlns:a="http://schemas.openxmlformats.org/drawingml/2006/main" xmlns:r="http://schemas.openxmlformats.org/officeDocument/2006/relationships" xmlns:p="http://schemas.openxmlformats.org/presentationml/2006/main" showMasterPhAnim="0" type="blank" preserve="1" userDrawn="1">
   <p:cSld name="Пустой слайд">
     <p:spTree>
       <p:nvGrpSpPr>
@@ -1989,7 +1989,7 @@
             </a:pPr>
             <a:fld id="{BCC18F51-09EC-435C-A3BA-64A766E099C0}" type="datetimeFigureOut">
               <a:rPr lang="ru-RU"/>
-              <a:t/>
+              <a:t>17.04.2023</a:t>
             </a:fld>
             <a:endParaRPr lang="ru-RU"/>
           </a:p>
@@ -2037,7 +2037,7 @@
             </a:pPr>
             <a:fld id="{08395586-F03A-48D1-94DF-16B239DF4FB5}" type="slidenum">
               <a:rPr lang="ru-RU"/>
-              <a:t/>
+              <a:t>‹#›</a:t>
             </a:fld>
             <a:endParaRPr lang="ru-RU"/>
           </a:p>
@@ -2052,7 +2052,7 @@
 </file>
 
 <file path=ppt/slideLayouts/slideLayout8.xml><?xml version="1.0" encoding="utf-8"?>
-<p:sldLayout xmlns:a="http://schemas.openxmlformats.org/drawingml/2006/main" xmlns:r="http://schemas.openxmlformats.org/officeDocument/2006/relationships" xmlns:p="http://schemas.openxmlformats.org/presentationml/2006/main" xmlns:m="http://schemas.openxmlformats.org/officeDocument/2006/math" xmlns:w="http://schemas.openxmlformats.org/wordprocessingml/2006/main" matchingName="" preserve="1" showMasterPhAnim="0" type="objTx" userDrawn="1">
+<p:sldLayout xmlns:a="http://schemas.openxmlformats.org/drawingml/2006/main" xmlns:r="http://schemas.openxmlformats.org/officeDocument/2006/relationships" xmlns:p="http://schemas.openxmlformats.org/presentationml/2006/main" showMasterPhAnim="0" type="objTx" preserve="1" userDrawn="1">
   <p:cSld name="Объект с подписью">
     <p:spTree>
       <p:nvGrpSpPr>
@@ -2099,7 +2099,6 @@
               <a:rPr lang="ru-RU"/>
               <a:t>Образец заголовка</a:t>
             </a:r>
-            <a:endParaRPr lang="ru-RU"/>
           </a:p>
         </p:txBody>
       </p:sp>
@@ -2198,7 +2197,6 @@
               <a:rPr lang="ru-RU"/>
               <a:t>Пятый уровень</a:t>
             </a:r>
-            <a:endParaRPr lang="ru-RU"/>
           </a:p>
         </p:txBody>
       </p:sp>
@@ -2290,7 +2288,7 @@
             </a:pPr>
             <a:fld id="{BCC18F51-09EC-435C-A3BA-64A766E099C0}" type="datetimeFigureOut">
               <a:rPr lang="ru-RU"/>
-              <a:t/>
+              <a:t>17.04.2023</a:t>
             </a:fld>
             <a:endParaRPr lang="ru-RU"/>
           </a:p>
@@ -2338,7 +2336,7 @@
             </a:pPr>
             <a:fld id="{08395586-F03A-48D1-94DF-16B239DF4FB5}" type="slidenum">
               <a:rPr lang="ru-RU"/>
-              <a:t/>
+              <a:t>‹#›</a:t>
             </a:fld>
             <a:endParaRPr lang="ru-RU"/>
           </a:p>
@@ -2353,7 +2351,7 @@
 </file>
 
 <file path=ppt/slideLayouts/slideLayout9.xml><?xml version="1.0" encoding="utf-8"?>
-<p:sldLayout xmlns:a="http://schemas.openxmlformats.org/drawingml/2006/main" xmlns:r="http://schemas.openxmlformats.org/officeDocument/2006/relationships" xmlns:p="http://schemas.openxmlformats.org/presentationml/2006/main" xmlns:m="http://schemas.openxmlformats.org/officeDocument/2006/math" xmlns:w="http://schemas.openxmlformats.org/wordprocessingml/2006/main" matchingName="" preserve="1" showMasterPhAnim="0" type="picTx" userDrawn="1">
+<p:sldLayout xmlns:a="http://schemas.openxmlformats.org/drawingml/2006/main" xmlns:r="http://schemas.openxmlformats.org/officeDocument/2006/relationships" xmlns:p="http://schemas.openxmlformats.org/presentationml/2006/main" showMasterPhAnim="0" type="picTx" preserve="1" userDrawn="1">
   <p:cSld name="Рисунок с подписью">
     <p:spTree>
       <p:nvGrpSpPr>
@@ -2400,7 +2398,6 @@
               <a:rPr lang="ru-RU"/>
               <a:t>Образец заголовка</a:t>
             </a:r>
-            <a:endParaRPr lang="ru-RU"/>
           </a:p>
         </p:txBody>
       </p:sp>
@@ -2408,7 +2405,7 @@
         <p:nvSpPr>
           <p:cNvPr id="3" name="Рисунок 2"/>
           <p:cNvSpPr>
-            <a:spLocks noChangeAspect="1" noGrp="1"/>
+            <a:spLocks noGrp="1" noChangeAspect="1"/>
           </p:cNvSpPr>
           <p:nvPr>
             <p:ph type="pic" idx="1"/>
@@ -2468,7 +2465,6 @@
               <a:rPr lang="ru-RU"/>
               <a:t>Click icon to add picture</a:t>
             </a:r>
-            <a:endParaRPr lang="ru-RU"/>
           </a:p>
         </p:txBody>
       </p:sp>
@@ -2560,7 +2556,7 @@
             </a:pPr>
             <a:fld id="{BCC18F51-09EC-435C-A3BA-64A766E099C0}" type="datetimeFigureOut">
               <a:rPr lang="ru-RU"/>
-              <a:t/>
+              <a:t>17.04.2023</a:t>
             </a:fld>
             <a:endParaRPr lang="ru-RU"/>
           </a:p>
@@ -2608,7 +2604,7 @@
             </a:pPr>
             <a:fld id="{08395586-F03A-48D1-94DF-16B239DF4FB5}" type="slidenum">
               <a:rPr lang="ru-RU"/>
-              <a:t/>
+              <a:t>‹#›</a:t>
             </a:fld>
             <a:endParaRPr lang="ru-RU"/>
           </a:p>
@@ -2623,8 +2619,8 @@
 </file>
 
 <file path=ppt/slideMasters/slideMaster1.xml><?xml version="1.0" encoding="utf-8"?>
-<p:sldMaster xmlns:a="http://schemas.openxmlformats.org/drawingml/2006/main" xmlns:r="http://schemas.openxmlformats.org/officeDocument/2006/relationships" xmlns:p="http://schemas.openxmlformats.org/presentationml/2006/main" xmlns:m="http://schemas.openxmlformats.org/officeDocument/2006/math" xmlns:w="http://schemas.openxmlformats.org/wordprocessingml/2006/main" preserve="0">
-  <p:cSld name="">
+<p:sldMaster xmlns:a="http://schemas.openxmlformats.org/drawingml/2006/main" xmlns:r="http://schemas.openxmlformats.org/officeDocument/2006/relationships" xmlns:p="http://schemas.openxmlformats.org/presentationml/2006/main">
+  <p:cSld>
     <p:bg>
       <p:bgRef idx="1001">
         <a:schemeClr val="bg1"/>
@@ -2676,7 +2672,6 @@
               <a:rPr lang="ru-RU"/>
               <a:t>Click to edit Master title style</a:t>
             </a:r>
-            <a:endParaRPr lang="ru-RU"/>
           </a:p>
         </p:txBody>
       </p:sp>
@@ -2752,7 +2747,6 @@
               <a:rPr lang="ru-RU"/>
               <a:t>Fifth level</a:t>
             </a:r>
-            <a:endParaRPr lang="ru-RU"/>
           </a:p>
         </p:txBody>
       </p:sp>
@@ -2794,7 +2788,7 @@
             </a:pPr>
             <a:fld id="{BCC18F51-09EC-435C-A3BA-64A766E099C0}" type="datetimeFigureOut">
               <a:rPr lang="ru-RU"/>
-              <a:t/>
+              <a:t>17.04.2023</a:t>
             </a:fld>
             <a:endParaRPr lang="ru-RU"/>
           </a:p>
@@ -2878,7 +2872,7 @@
             </a:pPr>
             <a:fld id="{08395586-F03A-48D1-94DF-16B239DF4FB5}" type="slidenum">
               <a:rPr lang="ru-RU"/>
-              <a:t/>
+              <a:t>‹#›</a:t>
             </a:fld>
             <a:endParaRPr lang="ru-RU"/>
           </a:p>
@@ -3184,16 +3178,17 @@
 </file>
 
 <file path=ppt/slides/slide1.xml><?xml version="1.0" encoding="utf-8"?>
-<p:sld xmlns:a="http://schemas.openxmlformats.org/drawingml/2006/main" xmlns:r="http://schemas.openxmlformats.org/officeDocument/2006/relationships" xmlns:p="http://schemas.openxmlformats.org/presentationml/2006/main" xmlns:m="http://schemas.openxmlformats.org/officeDocument/2006/math" xmlns:w="http://schemas.openxmlformats.org/wordprocessingml/2006/main" showMasterPhAnim="0" show="1">
-  <p:cSld name="">
+<p:sld xmlns:a="http://schemas.openxmlformats.org/drawingml/2006/main" xmlns:r="http://schemas.openxmlformats.org/officeDocument/2006/relationships" xmlns:p="http://schemas.openxmlformats.org/presentationml/2006/main" showMasterPhAnim="0">
+  <p:cSld>
     <p:bg>
-      <p:bgPr shadeToTitle="0">
+      <p:bgPr>
         <a:solidFill>
           <a:schemeClr val="accent2">
             <a:lumMod val="40000"/>
             <a:lumOff val="60000"/>
           </a:schemeClr>
         </a:solidFill>
+        <a:effectLst/>
       </p:bgPr>
     </p:bg>
     <p:spTree>
@@ -3232,7 +3227,6 @@
               <a:rPr lang="ru-RU"/>
               <a:t>EMC</a:t>
             </a:r>
-            <a:endParaRPr lang="ru-RU"/>
           </a:p>
         </p:txBody>
       </p:sp>
@@ -3258,20 +3252,19 @@
               <a:rPr lang="ru-RU"/>
               <a:t>Современное образовательное облако</a:t>
             </a:r>
-            <a:endParaRPr lang="ru-RU"/>
-          </a:p>
-        </p:txBody>
-      </p:sp>
-      <p:sp>
-        <p:nvSpPr>
-          <p:cNvPr id="192295456" name=""/>
+          </a:p>
+        </p:txBody>
+      </p:sp>
+      <p:sp>
+        <p:nvSpPr>
+          <p:cNvPr id="192295456" name="TextBox 192295455"/>
           <p:cNvSpPr txBox="1"/>
           <p:nvPr/>
         </p:nvSpPr>
         <p:spPr bwMode="auto">
-          <a:xfrm flipH="0" flipV="0">
+          <a:xfrm>
             <a:off x="8878275" y="4762500"/>
-            <a:ext cx="3135381" cy="640116"/>
+            <a:ext cx="3135381" cy="888705"/>
           </a:xfrm>
           <a:prstGeom prst="rect">
             <a:avLst/>
@@ -3279,28 +3272,59 @@
           <a:noFill/>
         </p:spPr>
         <p:txBody>
-          <a:bodyPr vertOverflow="overflow" horzOverflow="overflow" vert="horz" wrap="square" lIns="91440" tIns="45720" rIns="91440" bIns="45720" numCol="1" spcCol="0" rtlCol="0" fromWordArt="0" anchor="t" anchorCtr="0" forceAA="0" upright="0" compatLnSpc="0">
+          <a:bodyPr vertOverflow="overflow" horzOverflow="overflow" vert="horz" wrap="square" lIns="91440" tIns="45720" rIns="91440" bIns="45720" numCol="1" spcCol="0" rtlCol="0" fromWordArt="0" anchor="t" anchorCtr="0" forceAA="0" compatLnSpc="0">
             <a:spAutoFit/>
           </a:bodyPr>
-          <a:p>
-            <a:pPr>
-              <a:defRPr/>
-            </a:pPr>
-            <a:r>
-              <a:rPr/>
-              <a:t>Выполнил </a:t>
-            </a:r>
-            <a:endParaRPr/>
-          </a:p>
-          <a:p>
-            <a:pPr>
-              <a:defRPr/>
-            </a:pPr>
-            <a:r>
-              <a:rPr/>
-              <a:t>Власов Илья Евгеньевич</a:t>
-            </a:r>
-            <a:endParaRPr/>
+          <a:lstStyle/>
+          <a:p>
+            <a:pPr>
+              <a:defRPr/>
+            </a:pPr>
+            <a:r>
+              <a:rPr dirty="0" err="1"/>
+              <a:t>Выполнил</a:t>
+            </a:r>
+            <a:r>
+              <a:rPr lang="ru-RU" dirty="0"/>
+              <a:t>и</a:t>
+            </a:r>
+            <a:endParaRPr dirty="0"/>
+          </a:p>
+          <a:p>
+            <a:pPr>
+              <a:defRPr/>
+            </a:pPr>
+            <a:r>
+              <a:rPr dirty="0" err="1"/>
+              <a:t>Власов</a:t>
+            </a:r>
+            <a:r>
+              <a:rPr dirty="0"/>
+              <a:t> </a:t>
+            </a:r>
+            <a:r>
+              <a:rPr dirty="0" err="1"/>
+              <a:t>Илья</a:t>
+            </a:r>
+            <a:r>
+              <a:rPr dirty="0"/>
+              <a:t> </a:t>
+            </a:r>
+            <a:r>
+              <a:rPr dirty="0" err="1"/>
+              <a:t>Евгеньевич</a:t>
+            </a:r>
+            <a:endParaRPr lang="ru-RU" dirty="0"/>
+          </a:p>
+          <a:p>
+            <a:pPr>
+              <a:defRPr/>
+            </a:pPr>
+            <a:r>
+              <a:rPr lang="ru-RU" dirty="0"/>
+              <a:t>Колеров Роман Антонович</a:t>
+            </a:r>
+            <a:endParaRPr dirty="0"/>
           </a:p>
         </p:txBody>
       </p:sp>
@@ -3309,28 +3333,21 @@
   <p:clrMapOvr>
     <a:masterClrMapping/>
   </p:clrMapOvr>
-  <mc:AlternateContent xmlns:mc="http://schemas.openxmlformats.org/markup-compatibility/2006">
-    <mc:Choice xmlns:p14="http://schemas.microsoft.com/office/powerpoint/2010/main" Requires="p14">
-      <p:transition p14:dur="2000" advClick="1"/>
-    </mc:Choice>
-    <mc:Fallback>
-      <p:transition advClick="1"/>
-    </mc:Fallback>
-  </mc:AlternateContent>
 </p:sld>
 </file>
 
 <file path=ppt/slides/slide2.xml><?xml version="1.0" encoding="utf-8"?>
-<p:sld xmlns:a="http://schemas.openxmlformats.org/drawingml/2006/main" xmlns:r="http://schemas.openxmlformats.org/officeDocument/2006/relationships" xmlns:p="http://schemas.openxmlformats.org/presentationml/2006/main" xmlns:m="http://schemas.openxmlformats.org/officeDocument/2006/math" xmlns:w="http://schemas.openxmlformats.org/wordprocessingml/2006/main" showMasterPhAnim="0" show="1">
-  <p:cSld name="">
+<p:sld xmlns:a="http://schemas.openxmlformats.org/drawingml/2006/main" xmlns:r="http://schemas.openxmlformats.org/officeDocument/2006/relationships" xmlns:p="http://schemas.openxmlformats.org/presentationml/2006/main" showMasterPhAnim="0">
+  <p:cSld>
     <p:bg>
-      <p:bgPr shadeToTitle="0">
+      <p:bgPr>
         <a:solidFill>
           <a:schemeClr val="accent2">
             <a:lumMod val="40000"/>
             <a:lumOff val="60000"/>
           </a:schemeClr>
         </a:solidFill>
+        <a:effectLst/>
       </p:bgPr>
     </p:bg>
     <p:spTree>
@@ -3366,10 +3383,8 @@
               <a:defRPr/>
             </a:pPr>
             <a:r>
-              <a:rPr/>
               <a:t>Цели проекта</a:t>
             </a:r>
-            <a:endParaRPr/>
           </a:p>
         </p:txBody>
       </p:sp>
@@ -3392,30 +3407,24 @@
               <a:defRPr/>
             </a:pPr>
             <a:r>
-              <a:rPr/>
               <a:t>Создать платформу, связывающую образовательные площадки страны</a:t>
             </a:r>
-            <a:endParaRPr/>
-          </a:p>
-          <a:p>
-            <a:pPr>
-              <a:defRPr/>
-            </a:pPr>
-            <a:r>
-              <a:rPr/>
+          </a:p>
+          <a:p>
+            <a:pPr>
+              <a:defRPr/>
+            </a:pPr>
+            <a:r>
               <a:t>Добавить в площадку функции, удобные для пользователей</a:t>
             </a:r>
-            <a:endParaRPr/>
-          </a:p>
-          <a:p>
-            <a:pPr>
-              <a:defRPr/>
-            </a:pPr>
-            <a:r>
-              <a:rPr/>
+          </a:p>
+          <a:p>
+            <a:pPr>
+              <a:defRPr/>
+            </a:pPr>
+            <a:r>
               <a:t>Создать сайт для платформы</a:t>
             </a:r>
-            <a:endParaRPr/>
           </a:p>
         </p:txBody>
       </p:sp>
@@ -3424,28 +3433,21 @@
   <p:clrMapOvr>
     <a:masterClrMapping/>
   </p:clrMapOvr>
-  <mc:AlternateContent xmlns:mc="http://schemas.openxmlformats.org/markup-compatibility/2006">
-    <mc:Choice xmlns:p14="http://schemas.microsoft.com/office/powerpoint/2010/main" Requires="p14">
-      <p:transition p14:dur="2000" advClick="1"/>
-    </mc:Choice>
-    <mc:Fallback>
-      <p:transition advClick="1"/>
-    </mc:Fallback>
-  </mc:AlternateContent>
 </p:sld>
 </file>
 
 <file path=ppt/slides/slide3.xml><?xml version="1.0" encoding="utf-8"?>
-<p:sld xmlns:a="http://schemas.openxmlformats.org/drawingml/2006/main" xmlns:r="http://schemas.openxmlformats.org/officeDocument/2006/relationships" xmlns:p="http://schemas.openxmlformats.org/presentationml/2006/main" xmlns:m="http://schemas.openxmlformats.org/officeDocument/2006/math" xmlns:w="http://schemas.openxmlformats.org/wordprocessingml/2006/main" showMasterPhAnim="0" show="1">
-  <p:cSld name="">
+<p:sld xmlns:a="http://schemas.openxmlformats.org/drawingml/2006/main" xmlns:r="http://schemas.openxmlformats.org/officeDocument/2006/relationships" xmlns:p="http://schemas.openxmlformats.org/presentationml/2006/main" showMasterPhAnim="0">
+  <p:cSld>
     <p:bg>
-      <p:bgPr shadeToTitle="0">
+      <p:bgPr>
         <a:solidFill>
           <a:schemeClr val="accent2">
             <a:lumMod val="40000"/>
             <a:lumOff val="60000"/>
           </a:schemeClr>
         </a:solidFill>
+        <a:effectLst/>
       </p:bgPr>
     </p:bg>
     <p:spTree>
@@ -3481,10 +3483,8 @@
               <a:defRPr/>
             </a:pPr>
             <a:r>
-              <a:rPr/>
               <a:t>Реализация модулей</a:t>
             </a:r>
-            <a:endParaRPr/>
           </a:p>
         </p:txBody>
       </p:sp>
@@ -3507,50 +3507,40 @@
               <a:defRPr/>
             </a:pPr>
             <a:r>
-              <a:rPr/>
               <a:t>Forms: список форм для страниц на сайте</a:t>
             </a:r>
-            <a:endParaRPr/>
-          </a:p>
-          <a:p>
-            <a:pPr>
-              <a:defRPr/>
-            </a:pPr>
-            <a:r>
-              <a:rPr/>
+          </a:p>
+          <a:p>
+            <a:pPr>
+              <a:defRPr/>
+            </a:pPr>
+            <a:r>
               <a:t>Data: файлы, реализующие sqlalchemy и api</a:t>
             </a:r>
-            <a:endParaRPr/>
-          </a:p>
-          <a:p>
-            <a:pPr>
-              <a:defRPr/>
-            </a:pPr>
-            <a:r>
-              <a:rPr/>
+          </a:p>
+          <a:p>
+            <a:pPr>
+              <a:defRPr/>
+            </a:pPr>
+            <a:r>
               <a:t>DB: база данных</a:t>
             </a:r>
-            <a:endParaRPr/>
-          </a:p>
-          <a:p>
-            <a:pPr>
-              <a:defRPr/>
-            </a:pPr>
-            <a:r>
-              <a:rPr/>
+          </a:p>
+          <a:p>
+            <a:pPr>
+              <a:defRPr/>
+            </a:pPr>
+            <a:r>
               <a:t>Templates: файлы html</a:t>
             </a:r>
-            <a:endParaRPr/>
-          </a:p>
-          <a:p>
-            <a:pPr>
-              <a:defRPr/>
-            </a:pPr>
-            <a:r>
-              <a:rPr/>
+          </a:p>
+          <a:p>
+            <a:pPr>
+              <a:defRPr/>
+            </a:pPr>
+            <a:r>
               <a:t>Server: основной код сайта</a:t>
             </a:r>
-            <a:endParaRPr/>
           </a:p>
         </p:txBody>
       </p:sp>
@@ -3559,28 +3549,21 @@
   <p:clrMapOvr>
     <a:masterClrMapping/>
   </p:clrMapOvr>
-  <mc:AlternateContent xmlns:mc="http://schemas.openxmlformats.org/markup-compatibility/2006">
-    <mc:Choice xmlns:p14="http://schemas.microsoft.com/office/powerpoint/2010/main" Requires="p14">
-      <p:transition p14:dur="2000" advClick="1"/>
-    </mc:Choice>
-    <mc:Fallback>
-      <p:transition advClick="1"/>
-    </mc:Fallback>
-  </mc:AlternateContent>
 </p:sld>
 </file>
 
 <file path=ppt/slides/slide4.xml><?xml version="1.0" encoding="utf-8"?>
-<p:sld xmlns:a="http://schemas.openxmlformats.org/drawingml/2006/main" xmlns:r="http://schemas.openxmlformats.org/officeDocument/2006/relationships" xmlns:p="http://schemas.openxmlformats.org/presentationml/2006/main" xmlns:m="http://schemas.openxmlformats.org/officeDocument/2006/math" xmlns:w="http://schemas.openxmlformats.org/wordprocessingml/2006/main" showMasterPhAnim="0" show="1">
-  <p:cSld name="">
+<p:sld xmlns:a="http://schemas.openxmlformats.org/drawingml/2006/main" xmlns:r="http://schemas.openxmlformats.org/officeDocument/2006/relationships" xmlns:p="http://schemas.openxmlformats.org/presentationml/2006/main" showMasterPhAnim="0">
+  <p:cSld>
     <p:bg>
-      <p:bgPr shadeToTitle="0">
+      <p:bgPr>
         <a:solidFill>
           <a:schemeClr val="accent2">
             <a:lumMod val="40000"/>
             <a:lumOff val="60000"/>
           </a:schemeClr>
         </a:solidFill>
+        <a:effectLst/>
       </p:bgPr>
     </p:bg>
     <p:spTree>
@@ -3616,10 +3599,8 @@
               <a:defRPr/>
             </a:pPr>
             <a:r>
-              <a:rPr/>
               <a:t>Использованные технологии</a:t>
             </a:r>
-            <a:endParaRPr/>
           </a:p>
         </p:txBody>
       </p:sp>
@@ -3642,60 +3623,48 @@
               <a:defRPr/>
             </a:pPr>
             <a:r>
-              <a:rPr/>
               <a:t>Python</a:t>
             </a:r>
-            <a:endParaRPr/>
-          </a:p>
-          <a:p>
-            <a:pPr>
-              <a:defRPr/>
-            </a:pPr>
-            <a:r>
-              <a:rPr/>
+          </a:p>
+          <a:p>
+            <a:pPr>
+              <a:defRPr/>
+            </a:pPr>
+            <a:r>
               <a:t>wtforms</a:t>
             </a:r>
-            <a:endParaRPr/>
-          </a:p>
-          <a:p>
-            <a:pPr>
-              <a:defRPr/>
-            </a:pPr>
-            <a:r>
-              <a:rPr/>
+          </a:p>
+          <a:p>
+            <a:pPr>
+              <a:defRPr/>
+            </a:pPr>
+            <a:r>
               <a:t>flask</a:t>
             </a:r>
-            <a:endParaRPr/>
-          </a:p>
-          <a:p>
-            <a:pPr>
-              <a:defRPr/>
-            </a:pPr>
-            <a:r>
-              <a:rPr/>
+          </a:p>
+          <a:p>
+            <a:pPr>
+              <a:defRPr/>
+            </a:pPr>
+            <a:r>
               <a:t>sqlalchemy</a:t>
             </a:r>
-            <a:endParaRPr/>
-          </a:p>
-          <a:p>
-            <a:pPr>
-              <a:defRPr/>
-            </a:pPr>
-            <a:r>
-              <a:rPr/>
+          </a:p>
+          <a:p>
+            <a:pPr>
+              <a:defRPr/>
+            </a:pPr>
+            <a:r>
               <a:t>flask_login</a:t>
             </a:r>
-            <a:endParaRPr/>
-          </a:p>
-          <a:p>
-            <a:pPr>
-              <a:defRPr/>
-            </a:pPr>
-            <a:r>
-              <a:rPr/>
+          </a:p>
+          <a:p>
+            <a:pPr>
+              <a:defRPr/>
+            </a:pPr>
+            <a:r>
               <a:t>flask_wtf</a:t>
             </a:r>
-            <a:endParaRPr/>
           </a:p>
         </p:txBody>
       </p:sp>
@@ -3704,28 +3673,21 @@
   <p:clrMapOvr>
     <a:masterClrMapping/>
   </p:clrMapOvr>
-  <mc:AlternateContent xmlns:mc="http://schemas.openxmlformats.org/markup-compatibility/2006">
-    <mc:Choice xmlns:p14="http://schemas.microsoft.com/office/powerpoint/2010/main" Requires="p14">
-      <p:transition p14:dur="2000" advClick="1"/>
-    </mc:Choice>
-    <mc:Fallback>
-      <p:transition advClick="1"/>
-    </mc:Fallback>
-  </mc:AlternateContent>
 </p:sld>
 </file>
 
 <file path=ppt/slides/slide5.xml><?xml version="1.0" encoding="utf-8"?>
-<p:sld xmlns:a="http://schemas.openxmlformats.org/drawingml/2006/main" xmlns:r="http://schemas.openxmlformats.org/officeDocument/2006/relationships" xmlns:p="http://schemas.openxmlformats.org/presentationml/2006/main" xmlns:m="http://schemas.openxmlformats.org/officeDocument/2006/math" xmlns:w="http://schemas.openxmlformats.org/wordprocessingml/2006/main" showMasterPhAnim="0" show="1">
-  <p:cSld name="">
+<p:sld xmlns:a="http://schemas.openxmlformats.org/drawingml/2006/main" xmlns:r="http://schemas.openxmlformats.org/officeDocument/2006/relationships" xmlns:p="http://schemas.openxmlformats.org/presentationml/2006/main" showMasterPhAnim="0">
+  <p:cSld>
     <p:bg>
-      <p:bgPr shadeToTitle="0">
+      <p:bgPr>
         <a:solidFill>
           <a:schemeClr val="accent2">
             <a:lumMod val="40000"/>
             <a:lumOff val="60000"/>
           </a:schemeClr>
         </a:solidFill>
+        <a:effectLst/>
       </p:bgPr>
     </p:bg>
     <p:spTree>
@@ -3761,10 +3723,8 @@
               <a:defRPr/>
             </a:pPr>
             <a:r>
-              <a:rPr/>
               <a:t>Выводы</a:t>
             </a:r>
-            <a:endParaRPr/>
           </a:p>
         </p:txBody>
       </p:sp>
@@ -3789,10 +3749,8 @@
               <a:defRPr/>
             </a:pPr>
             <a:r>
-              <a:rPr/>
               <a:t>Наш проект является отличным фундаментом для создания большого сайта.</a:t>
             </a:r>
-            <a:endParaRPr/>
           </a:p>
           <a:p>
             <a:pPr marL="0" indent="0">
@@ -3801,50 +3759,40 @@
               <a:defRPr/>
             </a:pPr>
             <a:r>
-              <a:rPr/>
               <a:t>Возможности для доработки:</a:t>
             </a:r>
-            <a:endParaRPr/>
-          </a:p>
-          <a:p>
-            <a:pPr>
-              <a:defRPr/>
-            </a:pPr>
-            <a:r>
-              <a:rPr/>
+          </a:p>
+          <a:p>
+            <a:pPr>
+              <a:defRPr/>
+            </a:pPr>
+            <a:r>
               <a:t>Улучшение дизайна</a:t>
             </a:r>
-            <a:endParaRPr/>
-          </a:p>
-          <a:p>
-            <a:pPr>
-              <a:defRPr/>
-            </a:pPr>
-            <a:r>
-              <a:rPr/>
+          </a:p>
+          <a:p>
+            <a:pPr>
+              <a:defRPr/>
+            </a:pPr>
+            <a:r>
               <a:t>Добавление функций сайта</a:t>
             </a:r>
-            <a:endParaRPr/>
-          </a:p>
-          <a:p>
-            <a:pPr>
-              <a:defRPr/>
-            </a:pPr>
-            <a:r>
-              <a:rPr/>
+          </a:p>
+          <a:p>
+            <a:pPr>
+              <a:defRPr/>
+            </a:pPr>
+            <a:r>
               <a:t>Сделать автоматическую рассылку электронной почты</a:t>
             </a:r>
-            <a:endParaRPr/>
-          </a:p>
-          <a:p>
-            <a:pPr>
-              <a:defRPr/>
-            </a:pPr>
-            <a:r>
-              <a:rPr/>
+          </a:p>
+          <a:p>
+            <a:pPr>
+              <a:defRPr/>
+            </a:pPr>
+            <a:r>
               <a:t>Сделать сайт для тех.поддержки</a:t>
             </a:r>
-            <a:endParaRPr/>
           </a:p>
           <a:p>
             <a:pPr>
@@ -3859,19 +3807,11 @@
   <p:clrMapOvr>
     <a:masterClrMapping/>
   </p:clrMapOvr>
-  <mc:AlternateContent xmlns:mc="http://schemas.openxmlformats.org/markup-compatibility/2006">
-    <mc:Choice xmlns:p14="http://schemas.microsoft.com/office/powerpoint/2010/main" Requires="p14">
-      <p:transition p14:dur="2000" advClick="1"/>
-    </mc:Choice>
-    <mc:Fallback>
-      <p:transition advClick="1"/>
-    </mc:Fallback>
-  </mc:AlternateContent>
 </p:sld>
 </file>
 
 <file path=ppt/theme/theme1.xml><?xml version="1.0" encoding="utf-8"?>
-<a:theme xmlns:a="http://schemas.openxmlformats.org/drawingml/2006/main" xmlns:r="http://schemas.openxmlformats.org/officeDocument/2006/relationships" xmlns:p="http://schemas.openxmlformats.org/presentationml/2006/main" name="Office Theme">
+<a:theme xmlns:a="http://schemas.openxmlformats.org/drawingml/2006/main" name="Office Theme">
   <a:themeElements>
     <a:clrScheme name="Office Theme">
       <a:dk1>
@@ -4074,5 +4014,6 @@
     </a:fmtScheme>
   </a:themeElements>
   <a:objectDefaults/>
+  <a:extraClrSchemeLst/>
 </a:theme>
 </file>